--- a/组会/keystone-身份认证机制-分享交流 .pptx
+++ b/组会/keystone-身份认证机制-分享交流 .pptx
@@ -321,7 +321,7 @@
               <a:pPr>
                 <a:defRPr/>
               </a:pPr>
-              <a:t>2017/11/4</a:t>
+              <a:t>2017/11/5</a:t>
             </a:fld>
             <a:endParaRPr lang="zh-CN" altLang="en-US"/>
           </a:p>
@@ -3077,7 +3077,7 @@
               <a:pPr>
                 <a:defRPr/>
               </a:pPr>
-              <a:t>2017/11/4</a:t>
+              <a:t>2017/11/5</a:t>
             </a:fld>
             <a:endParaRPr lang="zh-CN" altLang="en-US"/>
           </a:p>
@@ -3270,7 +3270,7 @@
               <a:pPr>
                 <a:defRPr/>
               </a:pPr>
-              <a:t>2017/11/4</a:t>
+              <a:t>2017/11/5</a:t>
             </a:fld>
             <a:endParaRPr lang="zh-CN" altLang="en-US"/>
           </a:p>
@@ -3539,7 +3539,7 @@
               <a:pPr>
                 <a:defRPr/>
               </a:pPr>
-              <a:t>2017/11/4</a:t>
+              <a:t>2017/11/5</a:t>
             </a:fld>
             <a:endParaRPr lang="zh-CN" altLang="en-US"/>
           </a:p>
@@ -3850,7 +3850,7 @@
               <a:pPr>
                 <a:defRPr/>
               </a:pPr>
-              <a:t>2017/11/4</a:t>
+              <a:t>2017/11/5</a:t>
             </a:fld>
             <a:endParaRPr lang="zh-CN" altLang="en-US"/>
           </a:p>
@@ -4295,7 +4295,7 @@
               <a:pPr>
                 <a:defRPr/>
               </a:pPr>
-              <a:t>2017/11/4</a:t>
+              <a:t>2017/11/5</a:t>
             </a:fld>
             <a:endParaRPr lang="zh-CN" altLang="en-US"/>
           </a:p>
@@ -4436,7 +4436,7 @@
               <a:pPr>
                 <a:defRPr/>
               </a:pPr>
-              <a:t>2017/11/4</a:t>
+              <a:t>2017/11/5</a:t>
             </a:fld>
             <a:endParaRPr lang="zh-CN" altLang="en-US"/>
           </a:p>
@@ -4755,7 +4755,7 @@
               <a:pPr>
                 <a:defRPr/>
               </a:pPr>
-              <a:t>2017/11/4</a:t>
+              <a:t>2017/11/5</a:t>
             </a:fld>
             <a:endParaRPr lang="zh-CN" altLang="en-US"/>
           </a:p>
@@ -5055,7 +5055,7 @@
               <a:pPr>
                 <a:defRPr/>
               </a:pPr>
-              <a:t>2017/11/4</a:t>
+              <a:t>2017/11/5</a:t>
             </a:fld>
             <a:endParaRPr lang="zh-CN" altLang="en-US"/>
           </a:p>
@@ -5337,7 +5337,7 @@
               <a:pPr>
                 <a:defRPr/>
               </a:pPr>
-              <a:t>2017/11/4</a:t>
+              <a:t>2017/11/5</a:t>
             </a:fld>
             <a:endParaRPr lang="zh-CN" altLang="en-US"/>
           </a:p>
@@ -5530,7 +5530,7 @@
               <a:pPr>
                 <a:defRPr/>
               </a:pPr>
-              <a:t>2017/11/4</a:t>
+              <a:t>2017/11/5</a:t>
             </a:fld>
             <a:endParaRPr lang="zh-CN" altLang="en-US"/>
           </a:p>
@@ -5733,7 +5733,7 @@
               <a:pPr>
                 <a:defRPr/>
               </a:pPr>
-              <a:t>2017/11/4</a:t>
+              <a:t>2017/11/5</a:t>
             </a:fld>
             <a:endParaRPr lang="zh-CN" altLang="en-US"/>
           </a:p>
@@ -5998,7 +5998,7 @@
               <a:pPr>
                 <a:defRPr/>
               </a:pPr>
-              <a:t>2017/11/4</a:t>
+              <a:t>2017/11/5</a:t>
             </a:fld>
             <a:endParaRPr lang="zh-CN" altLang="en-US"/>
           </a:p>
@@ -6206,7 +6206,7 @@
               <a:pPr>
                 <a:defRPr/>
               </a:pPr>
-              <a:t>2017/11/4</a:t>
+              <a:t>2017/11/5</a:t>
             </a:fld>
             <a:endParaRPr lang="zh-CN" altLang="en-US"/>
           </a:p>
@@ -6475,7 +6475,7 @@
               <a:pPr>
                 <a:defRPr/>
               </a:pPr>
-              <a:t>2017/11/4</a:t>
+              <a:t>2017/11/5</a:t>
             </a:fld>
             <a:endParaRPr lang="zh-CN" altLang="en-US"/>
           </a:p>
@@ -6786,7 +6786,7 @@
               <a:pPr>
                 <a:defRPr/>
               </a:pPr>
-              <a:t>2017/11/4</a:t>
+              <a:t>2017/11/5</a:t>
             </a:fld>
             <a:endParaRPr lang="zh-CN" altLang="en-US"/>
           </a:p>
@@ -7231,7 +7231,7 @@
               <a:pPr>
                 <a:defRPr/>
               </a:pPr>
-              <a:t>2017/11/4</a:t>
+              <a:t>2017/11/5</a:t>
             </a:fld>
             <a:endParaRPr lang="zh-CN" altLang="en-US"/>
           </a:p>
@@ -7560,7 +7560,7 @@
               <a:pPr>
                 <a:defRPr/>
               </a:pPr>
-              <a:t>2017/11/4</a:t>
+              <a:t>2017/11/5</a:t>
             </a:fld>
             <a:endParaRPr lang="zh-CN" altLang="en-US"/>
           </a:p>
@@ -7678,7 +7678,7 @@
               <a:pPr>
                 <a:defRPr/>
               </a:pPr>
-              <a:t>2017/11/4</a:t>
+              <a:t>2017/11/5</a:t>
             </a:fld>
             <a:endParaRPr lang="zh-CN" altLang="en-US"/>
           </a:p>
@@ -7978,7 +7978,7 @@
               <a:pPr>
                 <a:defRPr/>
               </a:pPr>
-              <a:t>2017/11/4</a:t>
+              <a:t>2017/11/5</a:t>
             </a:fld>
             <a:endParaRPr lang="zh-CN" altLang="en-US"/>
           </a:p>
@@ -8261,7 +8261,7 @@
               <a:pPr>
                 <a:defRPr/>
               </a:pPr>
-              <a:t>2017/11/4</a:t>
+              <a:t>2017/11/5</a:t>
             </a:fld>
             <a:endParaRPr lang="zh-CN" altLang="en-US"/>
           </a:p>
@@ -8454,7 +8454,7 @@
               <a:pPr>
                 <a:defRPr/>
               </a:pPr>
-              <a:t>2017/11/4</a:t>
+              <a:t>2017/11/5</a:t>
             </a:fld>
             <a:endParaRPr lang="zh-CN" altLang="en-US"/>
           </a:p>
@@ -8657,7 +8657,7 @@
               <a:pPr>
                 <a:defRPr/>
               </a:pPr>
-              <a:t>2017/11/4</a:t>
+              <a:t>2017/11/5</a:t>
             </a:fld>
             <a:endParaRPr lang="zh-CN" altLang="en-US"/>
           </a:p>
@@ -10905,7 +10905,7 @@
               <a:pPr>
                 <a:defRPr/>
               </a:pPr>
-              <a:t>2017/11/4</a:t>
+              <a:t>2017/11/5</a:t>
             </a:fld>
             <a:endParaRPr lang="en-GB" altLang="zh-CN"/>
           </a:p>
@@ -11104,7 +11104,7 @@
               <a:pPr>
                 <a:defRPr/>
               </a:pPr>
-              <a:t>2017/11/4</a:t>
+              <a:t>2017/11/5</a:t>
             </a:fld>
             <a:endParaRPr lang="en-GB" altLang="zh-CN"/>
           </a:p>
@@ -11746,7 +11746,7 @@
               <a:pPr>
                 <a:defRPr/>
               </a:pPr>
-              <a:t>2017/11/4</a:t>
+              <a:t>2017/11/5</a:t>
             </a:fld>
             <a:endParaRPr lang="en-GB" altLang="zh-CN"/>
           </a:p>
@@ -12063,7 +12063,7 @@
               <a:pPr>
                 <a:defRPr/>
               </a:pPr>
-              <a:t>2017/11/4</a:t>
+              <a:t>2017/11/5</a:t>
             </a:fld>
             <a:endParaRPr lang="en-GB" altLang="zh-CN"/>
           </a:p>
@@ -12519,7 +12519,7 @@
               <a:pPr>
                 <a:defRPr/>
               </a:pPr>
-              <a:t>2017/11/4</a:t>
+              <a:t>2017/11/5</a:t>
             </a:fld>
             <a:endParaRPr lang="en-GB" altLang="zh-CN"/>
           </a:p>
@@ -12666,7 +12666,7 @@
               <a:pPr>
                 <a:defRPr/>
               </a:pPr>
-              <a:t>2017/11/4</a:t>
+              <a:t>2017/11/5</a:t>
             </a:fld>
             <a:endParaRPr lang="en-GB" altLang="zh-CN"/>
           </a:p>
@@ -12790,7 +12790,7 @@
               <a:pPr>
                 <a:defRPr/>
               </a:pPr>
-              <a:t>2017/11/4</a:t>
+              <a:t>2017/11/5</a:t>
             </a:fld>
             <a:endParaRPr lang="en-GB" altLang="zh-CN"/>
           </a:p>
@@ -13096,7 +13096,7 @@
               <a:pPr>
                 <a:defRPr/>
               </a:pPr>
-              <a:t>2017/11/4</a:t>
+              <a:t>2017/11/5</a:t>
             </a:fld>
             <a:endParaRPr lang="en-GB" altLang="zh-CN"/>
           </a:p>
@@ -13382,7 +13382,7 @@
               <a:pPr>
                 <a:defRPr/>
               </a:pPr>
-              <a:t>2017/11/4</a:t>
+              <a:t>2017/11/5</a:t>
             </a:fld>
             <a:endParaRPr lang="en-GB" altLang="zh-CN"/>
           </a:p>
@@ -13581,7 +13581,7 @@
               <a:pPr>
                 <a:defRPr/>
               </a:pPr>
-              <a:t>2017/11/4</a:t>
+              <a:t>2017/11/5</a:t>
             </a:fld>
             <a:endParaRPr lang="en-GB" altLang="zh-CN"/>
           </a:p>
@@ -13790,7 +13790,7 @@
               <a:pPr>
                 <a:defRPr/>
               </a:pPr>
-              <a:t>2017/11/4</a:t>
+              <a:t>2017/11/5</a:t>
             </a:fld>
             <a:endParaRPr lang="en-GB" altLang="zh-CN"/>
           </a:p>
@@ -14056,7 +14056,7 @@
               <a:pPr>
                 <a:defRPr/>
               </a:pPr>
-              <a:t>2017/11/4</a:t>
+              <a:t>2017/11/5</a:t>
             </a:fld>
             <a:endParaRPr lang="en-GB" altLang="zh-CN"/>
           </a:p>
@@ -14491,7 +14491,7 @@
               <a:pPr>
                 <a:defRPr/>
               </a:pPr>
-              <a:t>2017/11/4</a:t>
+              <a:t>2017/11/5</a:t>
             </a:fld>
             <a:endParaRPr lang="en-GB" altLang="zh-CN"/>
           </a:p>
@@ -16085,7 +16085,7 @@
               <a:pPr>
                 <a:defRPr/>
               </a:pPr>
-              <a:t>2017/11/4</a:t>
+              <a:t>2017/11/5</a:t>
             </a:fld>
             <a:endParaRPr lang="zh-CN" altLang="en-US"/>
           </a:p>
@@ -16781,7 +16781,7 @@
               <a:pPr>
                 <a:defRPr/>
               </a:pPr>
-              <a:t>2017/11/4</a:t>
+              <a:t>2017/11/5</a:t>
             </a:fld>
             <a:endParaRPr lang="zh-CN" altLang="en-US"/>
           </a:p>
@@ -18566,7 +18566,7 @@
               <a:pPr>
                 <a:defRPr/>
               </a:pPr>
-              <a:t>2017/11/4</a:t>
+              <a:t>2017/11/5</a:t>
             </a:fld>
             <a:endParaRPr lang="en-GB" altLang="zh-CN"/>
           </a:p>
@@ -19662,8 +19662,8 @@
           <a:effectLst/>
         </p:spPr>
       </p:cxnSp>
-      <mc:AlternateContent xmlns:mc="http://schemas.openxmlformats.org/markup-compatibility/2006">
-        <mc:Choice xmlns:a14="http://schemas.microsoft.com/office/drawing/2010/main" Requires="a14">
+      <mc:AlternateContent xmlns:mc="http://schemas.openxmlformats.org/markup-compatibility/2006" xmlns:a14="http://schemas.microsoft.com/office/drawing/2010/main">
+        <mc:Choice Requires="a14">
           <p:sp>
             <p:nvSpPr>
               <p:cNvPr id="10" name="矩形 9"/>
@@ -19742,7 +19742,7 @@
             </p:txBody>
           </p:sp>
         </mc:Choice>
-        <mc:Fallback>
+        <mc:Fallback xmlns="">
           <p:sp>
             <p:nvSpPr>
               <p:cNvPr id="10" name="矩形 9"/>
@@ -19791,8 +19791,8 @@
           </p:sp>
         </mc:Fallback>
       </mc:AlternateContent>
-      <mc:AlternateContent xmlns:mc="http://schemas.openxmlformats.org/markup-compatibility/2006">
-        <mc:Choice xmlns:a14="http://schemas.microsoft.com/office/drawing/2010/main" Requires="a14">
+      <mc:AlternateContent xmlns:mc="http://schemas.openxmlformats.org/markup-compatibility/2006" xmlns:a14="http://schemas.microsoft.com/office/drawing/2010/main">
+        <mc:Choice Requires="a14">
           <p:sp>
             <p:nvSpPr>
               <p:cNvPr id="11" name="矩形 10"/>
@@ -19856,15 +19856,7 @@
                 </a:r>
                 <a:r>
                   <a:rPr lang="en-US" altLang="zh-CN" sz="2400" smtClean="0"/>
-                  <a:t> </a:t>
-                </a:r>
-                <a:r>
-                  <a:rPr lang="en-US" altLang="zh-CN" sz="2400" smtClean="0"/>
-                  <a:t>] </a:t>
-                </a:r>
-                <a:r>
-                  <a:rPr lang="en-US" altLang="zh-CN" sz="2400" smtClean="0"/>
-                  <a:t>[ </a:t>
+                  <a:t> ] [ </a:t>
                 </a:r>
                 <a14:m>
                   <m:oMath xmlns:m="http://schemas.openxmlformats.org/officeDocument/2006/math">
@@ -19878,11 +19870,7 @@
                 </a14:m>
                 <a:r>
                   <a:rPr lang="en-US" altLang="zh-CN" sz="2400" smtClean="0"/>
-                  <a:t> </a:t>
-                </a:r>
-                <a:r>
-                  <a:rPr lang="en-US" altLang="zh-CN" sz="2400" smtClean="0"/>
-                  <a:t>] </a:t>
+                  <a:t> ] </a:t>
                 </a:r>
               </a:p>
               <a:p>
@@ -19909,7 +19897,7 @@
                       <a:rPr lang="en-US" altLang="zh-CN" sz="2400" i="1" baseline="-25000" smtClean="0">
                         <a:latin typeface="Cambria Math" panose="02040503050406030204" pitchFamily="18" charset="0"/>
                       </a:rPr>
-                      <m:t>-</m:t>
+                      <m:t>−</m:t>
                     </m:r>
                     <m:r>
                       <a:rPr lang="en-US" altLang="zh-CN" sz="2400" i="1" baseline="-25000">
@@ -20000,7 +19988,7 @@
             </p:txBody>
           </p:sp>
         </mc:Choice>
-        <mc:Fallback>
+        <mc:Fallback xmlns="">
           <p:sp>
             <p:nvSpPr>
               <p:cNvPr id="11" name="矩形 10"/>
@@ -20209,13 +20197,6 @@
                 </a:rPr>
                 <a:t> </a:t>
               </a:r>
-              <a:endParaRPr lang="en-US" altLang="zh-CN" sz="2000" baseline="-25000" smtClean="0">
-                <a:solidFill>
-                  <a:schemeClr val="tx1"/>
-                </a:solidFill>
-                <a:latin typeface="Centaur" panose="02030504050205020304" pitchFamily="18" charset="0"/>
-                <a:ea typeface="宋体" charset="-122"/>
-              </a:endParaRPr>
             </a:p>
             <a:p>
               <a:pPr marL="0" marR="0" indent="0" algn="l" defTabSz="914400" rtl="0" eaLnBrk="1" fontAlgn="base" latinLnBrk="0" hangingPunct="1">
@@ -20307,10 +20288,10 @@
         </p:nvGrpSpPr>
         <p:grpSpPr>
           <a:xfrm>
-            <a:off x="4360058" y="948881"/>
-            <a:ext cx="4653310" cy="1611088"/>
-            <a:chOff x="4721774" y="1101195"/>
-            <a:chExt cx="4243526" cy="1340319"/>
+            <a:off x="4410210" y="1203415"/>
+            <a:ext cx="4603157" cy="1356553"/>
+            <a:chOff x="4767510" y="1312951"/>
+            <a:chExt cx="4197790" cy="1128563"/>
           </a:xfrm>
         </p:grpSpPr>
         <p:sp>
@@ -20321,8 +20302,8 @@
           </p:nvSpPr>
           <p:spPr bwMode="auto">
             <a:xfrm>
-              <a:off x="5331759" y="1121347"/>
-              <a:ext cx="3633541" cy="1320167"/>
+              <a:off x="5331759" y="1675422"/>
+              <a:ext cx="3633541" cy="766092"/>
             </a:xfrm>
             <a:prstGeom prst="wedgeRectCallout">
               <a:avLst/>
@@ -20363,7 +20344,51 @@
                   <a:latin typeface="Centaur" panose="02030504050205020304" pitchFamily="18" charset="0"/>
                   <a:ea typeface="宋体" charset="-122"/>
                 </a:rPr>
-                <a:t>1. TGT </a:t>
+                <a:t>1. </a:t>
+              </a:r>
+              <a:r>
+                <a:rPr lang="en-US" altLang="zh-CN" sz="2000"/>
+                <a:t>{ Id</a:t>
+              </a:r>
+              <a:r>
+                <a:rPr lang="en-US" altLang="zh-CN" sz="2000" baseline="-25000"/>
+                <a:t>c</a:t>
+              </a:r>
+              <a:r>
+                <a:rPr lang="en-US" altLang="zh-CN" sz="2000"/>
+                <a:t>, S</a:t>
+              </a:r>
+              <a:r>
+                <a:rPr lang="en-US" altLang="zh-CN" sz="2000" baseline="-25000"/>
+                <a:t>C-S </a:t>
+              </a:r>
+              <a:r>
+                <a:rPr lang="en-US" altLang="zh-CN" sz="2000"/>
+                <a:t>}</a:t>
+              </a:r>
+              <a:r>
+                <a:rPr lang="en-US" altLang="zh-CN" sz="2000" baseline="-25000"/>
+                <a:t>MK-Server</a:t>
+              </a:r>
+              <a:r>
+                <a:rPr lang="en-US" altLang="zh-CN" sz="2000" baseline="-25000">
+                  <a:solidFill>
+                    <a:schemeClr val="tx1"/>
+                  </a:solidFill>
+                  <a:latin typeface="Centaur" panose="02030504050205020304" pitchFamily="18" charset="0"/>
+                  <a:ea typeface="宋体" charset="-122"/>
+                </a:rPr>
+                <a:t> </a:t>
+              </a:r>
+              <a:r>
+                <a:rPr lang="en-US" altLang="zh-CN" sz="2000" smtClean="0">
+                  <a:solidFill>
+                    <a:schemeClr val="tx1"/>
+                  </a:solidFill>
+                  <a:latin typeface="Centaur" panose="02030504050205020304" pitchFamily="18" charset="0"/>
+                  <a:ea typeface="宋体" charset="-122"/>
+                </a:rPr>
+                <a:t> </a:t>
               </a:r>
               <a:r>
                 <a:rPr lang="en-US" altLang="zh-CN" sz="2000" smtClean="0">
@@ -20385,7 +20410,7 @@
                   <a:ea typeface="宋体" charset="-122"/>
                   <a:sym typeface="Wingdings" panose="05000000000000000000" pitchFamily="2" charset="2"/>
                 </a:rPr>
-                <a:t>C-KDC</a:t>
+                <a:t>C-S</a:t>
               </a:r>
               <a:r>
                 <a:rPr lang="en-US" altLang="zh-CN" sz="2000" smtClean="0">
@@ -20396,7 +20421,18 @@
                   <a:ea typeface="宋体" charset="-122"/>
                   <a:sym typeface="Wingdings" panose="05000000000000000000" pitchFamily="2" charset="2"/>
                 </a:rPr>
-                <a:t> + Id</a:t>
+                <a:t> </a:t>
+              </a:r>
+              <a:r>
+                <a:rPr lang="en-US" altLang="zh-CN" sz="2000" smtClean="0">
+                  <a:solidFill>
+                    <a:schemeClr val="tx1"/>
+                  </a:solidFill>
+                  <a:latin typeface="Centaur" panose="02030504050205020304" pitchFamily="18" charset="0"/>
+                  <a:ea typeface="宋体" charset="-122"/>
+                  <a:sym typeface="Wingdings" panose="05000000000000000000" pitchFamily="2" charset="2"/>
+                </a:rPr>
+                <a:t>+ Id</a:t>
               </a:r>
               <a:r>
                 <a:rPr lang="en-US" altLang="zh-CN" sz="2000" baseline="-25000" smtClean="0">
@@ -20420,7 +20456,17 @@
                   <a:latin typeface="Centaur" panose="02030504050205020304" pitchFamily="18" charset="0"/>
                   <a:ea typeface="宋体" charset="-122"/>
                 </a:rPr>
-                <a:t>2. S</a:t>
+                <a:t>2. </a:t>
+              </a:r>
+              <a:r>
+                <a:rPr lang="en-US" altLang="zh-CN" sz="2000" smtClean="0">
+                  <a:solidFill>
+                    <a:schemeClr val="tx1"/>
+                  </a:solidFill>
+                  <a:latin typeface="Centaur" panose="02030504050205020304" pitchFamily="18" charset="0"/>
+                  <a:ea typeface="宋体" charset="-122"/>
+                </a:rPr>
+                <a:t>S</a:t>
               </a:r>
               <a:r>
                 <a:rPr lang="en-US" altLang="zh-CN" sz="2000" baseline="-25000" smtClean="0">
@@ -20430,7 +20476,7 @@
                   <a:latin typeface="Centaur" panose="02030504050205020304" pitchFamily="18" charset="0"/>
                   <a:ea typeface="宋体" charset="-122"/>
                 </a:rPr>
-                <a:t>C-KDC</a:t>
+                <a:t>C-S</a:t>
               </a:r>
               <a:r>
                 <a:rPr lang="en-US" altLang="zh-CN" sz="2000" smtClean="0">
@@ -20451,7 +20497,18 @@
                   <a:ea typeface="宋体" charset="-122"/>
                   <a:sym typeface="Wingdings" panose="05000000000000000000" pitchFamily="2" charset="2"/>
                 </a:rPr>
-                <a:t> Authticator  Id</a:t>
+                <a:t> Authticator  </a:t>
+              </a:r>
+              <a:r>
+                <a:rPr lang="en-US" altLang="zh-CN" sz="2000" smtClean="0">
+                  <a:solidFill>
+                    <a:schemeClr val="tx1"/>
+                  </a:solidFill>
+                  <a:latin typeface="Centaur" panose="02030504050205020304" pitchFamily="18" charset="0"/>
+                  <a:ea typeface="宋体" charset="-122"/>
+                  <a:sym typeface="Wingdings" panose="05000000000000000000" pitchFamily="2" charset="2"/>
+                </a:rPr>
+                <a:t>Id</a:t>
               </a:r>
               <a:r>
                 <a:rPr lang="en-US" altLang="zh-CN" sz="2000" baseline="-25000" smtClean="0">
@@ -20464,248 +20521,13 @@
                 </a:rPr>
                 <a:t>c</a:t>
               </a:r>
-              <a:r>
-                <a:rPr lang="en-US" altLang="zh-CN" sz="2000" smtClean="0">
-                  <a:solidFill>
-                    <a:schemeClr val="tx1"/>
-                  </a:solidFill>
-                  <a:latin typeface="Centaur" panose="02030504050205020304" pitchFamily="18" charset="0"/>
-                  <a:ea typeface="宋体" charset="-122"/>
-                  <a:sym typeface="Wingdings" panose="05000000000000000000" pitchFamily="2" charset="2"/>
-                </a:rPr>
-                <a:t> + Server</a:t>
-              </a:r>
-            </a:p>
-            <a:p>
-              <a:pPr defTabSz="914400"/>
-              <a:r>
-                <a:rPr kumimoji="1" lang="en-US" altLang="zh-CN" sz="2000" i="0" u="none" strike="noStrike" cap="none" normalizeH="0" smtClean="0">
-                  <a:ln>
-                    <a:noFill/>
-                  </a:ln>
-                  <a:solidFill>
-                    <a:schemeClr val="tx1"/>
-                  </a:solidFill>
-                  <a:effectLst/>
-                  <a:latin typeface="Centaur" panose="02030504050205020304" pitchFamily="18" charset="0"/>
-                  <a:ea typeface="宋体" charset="-122"/>
-                  <a:sym typeface="Wingdings" panose="05000000000000000000" pitchFamily="2" charset="2"/>
-                </a:rPr>
-                <a:t>3. Generate &amp; Copy S</a:t>
-              </a:r>
-              <a:r>
-                <a:rPr kumimoji="1" lang="en-US" altLang="zh-CN" sz="2000" i="0" u="none" strike="noStrike" cap="none" normalizeH="0" baseline="-25000" smtClean="0">
-                  <a:ln>
-                    <a:noFill/>
-                  </a:ln>
-                  <a:solidFill>
-                    <a:schemeClr val="tx1"/>
-                  </a:solidFill>
-                  <a:effectLst/>
-                  <a:latin typeface="Centaur" panose="02030504050205020304" pitchFamily="18" charset="0"/>
-                  <a:ea typeface="宋体" charset="-122"/>
-                  <a:sym typeface="Wingdings" panose="05000000000000000000" pitchFamily="2" charset="2"/>
-                </a:rPr>
-                <a:t>C-S</a:t>
-              </a:r>
-              <a:r>
-                <a:rPr kumimoji="1" lang="en-US" altLang="zh-CN" sz="2000" i="0" u="none" strike="noStrike" cap="none" normalizeH="0" smtClean="0">
-                  <a:ln>
-                    <a:noFill/>
-                  </a:ln>
-                  <a:solidFill>
-                    <a:schemeClr val="tx1"/>
-                  </a:solidFill>
-                  <a:effectLst/>
-                  <a:latin typeface="Centaur" panose="02030504050205020304" pitchFamily="18" charset="0"/>
-                  <a:ea typeface="宋体" charset="-122"/>
-                  <a:sym typeface="Wingdings" panose="05000000000000000000" pitchFamily="2" charset="2"/>
-                </a:rPr>
-                <a:t> </a:t>
-              </a:r>
-            </a:p>
-            <a:p>
-              <a:pPr defTabSz="914400"/>
-              <a:r>
-                <a:rPr lang="en-US" altLang="zh-CN" sz="2000" smtClean="0">
-                  <a:solidFill>
-                    <a:schemeClr val="tx1"/>
-                  </a:solidFill>
-                  <a:latin typeface="Centaur" panose="02030504050205020304" pitchFamily="18" charset="0"/>
-                  <a:ea typeface="宋体" charset="-122"/>
-                  <a:sym typeface="Wingdings" panose="05000000000000000000" pitchFamily="2" charset="2"/>
-                </a:rPr>
-                <a:t>4.</a:t>
-              </a:r>
-              <a:r>
-                <a:rPr kumimoji="1" lang="en-US" altLang="zh-CN" sz="2000" i="0" u="none" strike="noStrike" cap="none" normalizeH="0" smtClean="0">
-                  <a:ln>
-                    <a:noFill/>
-                  </a:ln>
-                  <a:solidFill>
-                    <a:schemeClr val="tx1"/>
-                  </a:solidFill>
-                  <a:effectLst/>
-                  <a:latin typeface="Centaur" panose="02030504050205020304" pitchFamily="18" charset="0"/>
-                  <a:ea typeface="宋体" charset="-122"/>
-                  <a:sym typeface="Wingdings" panose="05000000000000000000" pitchFamily="2" charset="2"/>
-                </a:rPr>
-                <a:t> { S</a:t>
-              </a:r>
-              <a:r>
-                <a:rPr kumimoji="1" lang="en-US" altLang="zh-CN" sz="2000" i="0" u="none" strike="noStrike" cap="none" normalizeH="0" baseline="-25000" smtClean="0">
-                  <a:ln>
-                    <a:noFill/>
-                  </a:ln>
-                  <a:solidFill>
-                    <a:schemeClr val="tx1"/>
-                  </a:solidFill>
-                  <a:effectLst/>
-                  <a:latin typeface="Centaur" panose="02030504050205020304" pitchFamily="18" charset="0"/>
-                  <a:ea typeface="宋体" charset="-122"/>
-                  <a:sym typeface="Wingdings" panose="05000000000000000000" pitchFamily="2" charset="2"/>
-                </a:rPr>
-                <a:t>C-S</a:t>
-              </a:r>
-              <a:r>
-                <a:rPr kumimoji="1" lang="en-US" altLang="zh-CN" sz="2000" i="0" u="none" strike="noStrike" cap="none" normalizeH="0" smtClean="0">
-                  <a:ln>
-                    <a:noFill/>
-                  </a:ln>
-                  <a:solidFill>
-                    <a:schemeClr val="tx1"/>
-                  </a:solidFill>
-                  <a:effectLst/>
-                  <a:latin typeface="Centaur" panose="02030504050205020304" pitchFamily="18" charset="0"/>
-                  <a:ea typeface="宋体" charset="-122"/>
-                  <a:sym typeface="Wingdings" panose="05000000000000000000" pitchFamily="2" charset="2"/>
-                </a:rPr>
-                <a:t> }S</a:t>
-              </a:r>
-              <a:r>
-                <a:rPr kumimoji="1" lang="en-US" altLang="zh-CN" sz="2000" i="0" u="none" strike="noStrike" cap="none" normalizeH="0" baseline="-25000" smtClean="0">
-                  <a:ln>
-                    <a:noFill/>
-                  </a:ln>
-                  <a:solidFill>
-                    <a:schemeClr val="tx1"/>
-                  </a:solidFill>
-                  <a:effectLst/>
-                  <a:latin typeface="Centaur" panose="02030504050205020304" pitchFamily="18" charset="0"/>
-                  <a:ea typeface="宋体" charset="-122"/>
-                  <a:sym typeface="Wingdings" panose="05000000000000000000" pitchFamily="2" charset="2"/>
-                </a:rPr>
-                <a:t>C-KDC</a:t>
-              </a:r>
-              <a:r>
-                <a:rPr kumimoji="1" lang="en-US" altLang="zh-CN" sz="2000" i="0" u="none" strike="noStrike" cap="none" normalizeH="0" smtClean="0">
-                  <a:ln>
-                    <a:noFill/>
-                  </a:ln>
-                  <a:solidFill>
-                    <a:schemeClr val="tx1"/>
-                  </a:solidFill>
-                  <a:effectLst/>
-                  <a:latin typeface="Centaur" panose="02030504050205020304" pitchFamily="18" charset="0"/>
-                  <a:ea typeface="宋体" charset="-122"/>
-                  <a:sym typeface="Wingdings" panose="05000000000000000000" pitchFamily="2" charset="2"/>
-                </a:rPr>
-                <a:t> </a:t>
-              </a:r>
-            </a:p>
-            <a:p>
-              <a:pPr defTabSz="914400"/>
-              <a:r>
-                <a:rPr lang="en-US" altLang="zh-CN" sz="2000" smtClean="0">
-                  <a:solidFill>
-                    <a:schemeClr val="tx1"/>
-                  </a:solidFill>
-                  <a:latin typeface="Centaur" panose="02030504050205020304" pitchFamily="18" charset="0"/>
-                  <a:ea typeface="宋体" charset="-122"/>
-                  <a:sym typeface="Wingdings" panose="05000000000000000000" pitchFamily="2" charset="2"/>
-                </a:rPr>
-                <a:t>5. { Id</a:t>
-              </a:r>
-              <a:r>
-                <a:rPr lang="en-US" altLang="zh-CN" sz="2000" baseline="-25000" smtClean="0">
-                  <a:solidFill>
-                    <a:schemeClr val="tx1"/>
-                  </a:solidFill>
-                  <a:latin typeface="Centaur" panose="02030504050205020304" pitchFamily="18" charset="0"/>
-                  <a:ea typeface="宋体" charset="-122"/>
-                  <a:sym typeface="Wingdings" panose="05000000000000000000" pitchFamily="2" charset="2"/>
-                </a:rPr>
-                <a:t>c</a:t>
-              </a:r>
-              <a:r>
-                <a:rPr lang="en-US" altLang="zh-CN" sz="2000" smtClean="0">
-                  <a:solidFill>
-                    <a:schemeClr val="tx1"/>
-                  </a:solidFill>
-                  <a:latin typeface="Centaur" panose="02030504050205020304" pitchFamily="18" charset="0"/>
-                  <a:ea typeface="宋体" charset="-122"/>
-                  <a:sym typeface="Wingdings" panose="05000000000000000000" pitchFamily="2" charset="2"/>
-                </a:rPr>
-                <a:t>, S</a:t>
-              </a:r>
-              <a:r>
-                <a:rPr lang="en-US" altLang="zh-CN" sz="2000" baseline="-25000" smtClean="0">
-                  <a:solidFill>
-                    <a:schemeClr val="tx1"/>
-                  </a:solidFill>
-                  <a:latin typeface="Centaur" panose="02030504050205020304" pitchFamily="18" charset="0"/>
-                  <a:ea typeface="宋体" charset="-122"/>
-                  <a:sym typeface="Wingdings" panose="05000000000000000000" pitchFamily="2" charset="2"/>
-                </a:rPr>
-                <a:t>C-S</a:t>
-              </a:r>
-              <a:r>
-                <a:rPr lang="en-US" altLang="zh-CN" sz="2000" smtClean="0">
-                  <a:solidFill>
-                    <a:schemeClr val="tx1"/>
-                  </a:solidFill>
-                  <a:latin typeface="Centaur" panose="02030504050205020304" pitchFamily="18" charset="0"/>
-                  <a:ea typeface="宋体" charset="-122"/>
-                  <a:sym typeface="Wingdings" panose="05000000000000000000" pitchFamily="2" charset="2"/>
-                </a:rPr>
-                <a:t>}</a:t>
-              </a:r>
-              <a:r>
-                <a:rPr lang="en-US" altLang="zh-CN" sz="2000" baseline="-25000" smtClean="0">
-                  <a:solidFill>
-                    <a:schemeClr val="tx1"/>
-                  </a:solidFill>
-                  <a:latin typeface="Centaur" panose="02030504050205020304" pitchFamily="18" charset="0"/>
-                  <a:ea typeface="宋体" charset="-122"/>
-                  <a:sym typeface="Wingdings" panose="05000000000000000000" pitchFamily="2" charset="2"/>
-                </a:rPr>
-                <a:t>MK-Server</a:t>
-              </a:r>
-              <a:r>
-                <a:rPr kumimoji="1" lang="en-US" altLang="zh-CN" sz="2000" i="0" u="none" strike="noStrike" cap="none" normalizeH="0" smtClean="0">
-                  <a:ln>
-                    <a:noFill/>
-                  </a:ln>
-                  <a:solidFill>
-                    <a:schemeClr val="tx1"/>
-                  </a:solidFill>
-                  <a:effectLst/>
-                  <a:latin typeface="Centaur" panose="02030504050205020304" pitchFamily="18" charset="0"/>
-                  <a:ea typeface="宋体" charset="-122"/>
-                  <a:sym typeface="Wingdings" panose="05000000000000000000" pitchFamily="2" charset="2"/>
-                </a:rPr>
-                <a:t> </a:t>
-              </a:r>
-              <a:endParaRPr kumimoji="1" lang="en-US" altLang="zh-CN" sz="2000" i="0" u="none" strike="noStrike" cap="none" normalizeH="0" smtClean="0">
-                <a:ln>
-                  <a:noFill/>
-                </a:ln>
+              <a:endParaRPr lang="en-US" altLang="zh-CN" sz="2000" smtClean="0">
                 <a:solidFill>
                   <a:schemeClr val="tx1"/>
                 </a:solidFill>
-                <a:effectLst/>
                 <a:latin typeface="Centaur" panose="02030504050205020304" pitchFamily="18" charset="0"/>
                 <a:ea typeface="宋体" charset="-122"/>
+                <a:sym typeface="Wingdings" panose="05000000000000000000" pitchFamily="2" charset="2"/>
               </a:endParaRPr>
             </a:p>
           </p:txBody>
@@ -20732,7 +20554,7 @@
           </p:blipFill>
           <p:spPr>
             <a:xfrm>
-              <a:off x="4721774" y="1101195"/>
+              <a:off x="4767510" y="1312951"/>
               <a:ext cx="609986" cy="609986"/>
             </a:xfrm>
             <a:prstGeom prst="rect">
@@ -20755,8 +20577,8 @@
             <a:chExt cx="2732403" cy="991319"/>
           </a:xfrm>
         </p:grpSpPr>
-        <mc:AlternateContent xmlns:mc="http://schemas.openxmlformats.org/markup-compatibility/2006">
-          <mc:Choice xmlns:a14="http://schemas.microsoft.com/office/drawing/2010/main" Requires="a14">
+        <mc:AlternateContent xmlns:mc="http://schemas.openxmlformats.org/markup-compatibility/2006" xmlns:a14="http://schemas.microsoft.com/office/drawing/2010/main">
+          <mc:Choice Requires="a14">
             <p:sp>
               <p:nvSpPr>
                 <p:cNvPr id="21" name="矩形 20"/>
@@ -20817,18 +20639,14 @@
                   </a:r>
                   <a:r>
                     <a:rPr lang="en-US" altLang="zh-CN" sz="2400" smtClean="0"/>
-                    <a:t> </a:t>
-                  </a:r>
-                  <a:r>
-                    <a:rPr lang="en-US" altLang="zh-CN" sz="2400" smtClean="0"/>
-                    <a:t>]</a:t>
+                    <a:t> ]</a:t>
                   </a:r>
                   <a:endParaRPr lang="zh-CN" altLang="en-US" sz="2400"/>
                 </a:p>
               </p:txBody>
             </p:sp>
           </mc:Choice>
-          <mc:Fallback>
+          <mc:Fallback xmlns="">
             <p:sp>
               <p:nvSpPr>
                 <p:cNvPr id="21" name="矩形 20"/>
@@ -20916,7 +20734,7 @@
         </p:nvGrpSpPr>
         <p:grpSpPr>
           <a:xfrm>
-            <a:off x="397538" y="2400577"/>
+            <a:off x="419806" y="2714127"/>
             <a:ext cx="7880503" cy="1497415"/>
             <a:chOff x="2151157" y="3594372"/>
             <a:chExt cx="7880503" cy="1497415"/>
@@ -21487,8 +21305,8 @@
           </a:prstGeom>
         </p:spPr>
       </p:pic>
-      <mc:AlternateContent xmlns:mc="http://schemas.openxmlformats.org/markup-compatibility/2006">
-        <mc:Choice xmlns:a14="http://schemas.microsoft.com/office/drawing/2010/main" Requires="a14">
+      <mc:AlternateContent xmlns:mc="http://schemas.openxmlformats.org/markup-compatibility/2006" xmlns:a14="http://schemas.microsoft.com/office/drawing/2010/main">
+        <mc:Choice Requires="a14">
           <p:sp>
             <p:nvSpPr>
               <p:cNvPr id="6" name="矩形 5"/>
@@ -21567,7 +21385,7 @@
             </p:txBody>
           </p:sp>
         </mc:Choice>
-        <mc:Fallback>
+        <mc:Fallback xmlns="">
           <p:sp>
             <p:nvSpPr>
               <p:cNvPr id="6" name="矩形 5"/>
@@ -21792,8 +21610,8 @@
             <a:chExt cx="2546168" cy="1153599"/>
           </a:xfrm>
         </p:grpSpPr>
-        <mc:AlternateContent xmlns:mc="http://schemas.openxmlformats.org/markup-compatibility/2006">
-          <mc:Choice xmlns:a14="http://schemas.microsoft.com/office/drawing/2010/main" Requires="a14">
+        <mc:AlternateContent xmlns:mc="http://schemas.openxmlformats.org/markup-compatibility/2006" xmlns:a14="http://schemas.microsoft.com/office/drawing/2010/main">
+          <mc:Choice Requires="a14">
             <p:sp>
               <p:nvSpPr>
                 <p:cNvPr id="15" name="矩形 14"/>
@@ -21884,7 +21702,7 @@
                         <a:rPr lang="en-US" altLang="zh-CN" sz="2400" i="1" baseline="-25000">
                           <a:latin typeface="Cambria Math" panose="02040503050406030204" pitchFamily="18" charset="0"/>
                         </a:rPr>
-                        <m:t>-</m:t>
+                        <m:t>−</m:t>
                       </m:r>
                       <m:r>
                         <a:rPr lang="en-US" altLang="zh-CN" sz="2400" i="1" baseline="-25000" smtClean="0">
@@ -21907,7 +21725,7 @@
               </p:txBody>
             </p:sp>
           </mc:Choice>
-          <mc:Fallback>
+          <mc:Fallback xmlns="">
             <p:sp>
               <p:nvSpPr>
                 <p:cNvPr id="15" name="矩形 14"/>
@@ -22046,8 +21864,8 @@
           <a:effectLst/>
         </p:spPr>
       </p:cxnSp>
-      <mc:AlternateContent xmlns:mc="http://schemas.openxmlformats.org/markup-compatibility/2006">
-        <mc:Choice xmlns:a14="http://schemas.microsoft.com/office/drawing/2010/main" Requires="a14">
+      <mc:AlternateContent xmlns:mc="http://schemas.openxmlformats.org/markup-compatibility/2006" xmlns:a14="http://schemas.microsoft.com/office/drawing/2010/main">
+        <mc:Choice Requires="a14">
           <p:sp>
             <p:nvSpPr>
               <p:cNvPr id="20" name="矩形 19"/>
@@ -22111,15 +21929,7 @@
                 </a:r>
                 <a:r>
                   <a:rPr lang="en-US" altLang="zh-CN" sz="2400" smtClean="0"/>
-                  <a:t> </a:t>
-                </a:r>
-                <a:r>
-                  <a:rPr lang="en-US" altLang="zh-CN" sz="2400" smtClean="0"/>
-                  <a:t>] </a:t>
-                </a:r>
-                <a:r>
-                  <a:rPr lang="en-US" altLang="zh-CN" sz="2400" smtClean="0"/>
-                  <a:t>[ </a:t>
+                  <a:t> ] [ </a:t>
                 </a:r>
                 <a14:m>
                   <m:oMath xmlns:m="http://schemas.openxmlformats.org/officeDocument/2006/math">
@@ -22133,11 +21943,7 @@
                 </a14:m>
                 <a:r>
                   <a:rPr lang="en-US" altLang="zh-CN" sz="2400" smtClean="0"/>
-                  <a:t> </a:t>
-                </a:r>
-                <a:r>
-                  <a:rPr lang="en-US" altLang="zh-CN" sz="2400" smtClean="0"/>
-                  <a:t>] </a:t>
+                  <a:t> ] </a:t>
                 </a:r>
               </a:p>
               <a:p>
@@ -22187,7 +21993,7 @@
             </p:txBody>
           </p:sp>
         </mc:Choice>
-        <mc:Fallback>
+        <mc:Fallback xmlns="">
           <p:sp>
             <p:nvSpPr>
               <p:cNvPr id="20" name="矩形 19"/>
@@ -22279,8 +22085,8 @@
             <a:chExt cx="2331191" cy="1140430"/>
           </a:xfrm>
         </p:grpSpPr>
-        <mc:AlternateContent xmlns:mc="http://schemas.openxmlformats.org/markup-compatibility/2006">
-          <mc:Choice xmlns:a14="http://schemas.microsoft.com/office/drawing/2010/main" Requires="a14">
+        <mc:AlternateContent xmlns:mc="http://schemas.openxmlformats.org/markup-compatibility/2006" xmlns:a14="http://schemas.microsoft.com/office/drawing/2010/main">
+          <mc:Choice Requires="a14">
             <p:sp>
               <p:nvSpPr>
                 <p:cNvPr id="23" name="矩形 22"/>
@@ -22350,7 +22156,7 @@
               </p:txBody>
             </p:sp>
           </mc:Choice>
-          <mc:Fallback>
+          <mc:Fallback xmlns="">
             <p:sp>
               <p:nvSpPr>
                 <p:cNvPr id="23" name="矩形 22"/>
@@ -22444,8 +22250,8 @@
             <a:chExt cx="3775383" cy="1901955"/>
           </a:xfrm>
         </p:grpSpPr>
-        <mc:AlternateContent xmlns:mc="http://schemas.openxmlformats.org/markup-compatibility/2006">
-          <mc:Choice xmlns:a14="http://schemas.microsoft.com/office/drawing/2010/main" Requires="a14">
+        <mc:AlternateContent xmlns:mc="http://schemas.openxmlformats.org/markup-compatibility/2006" xmlns:a14="http://schemas.microsoft.com/office/drawing/2010/main">
+          <mc:Choice Requires="a14">
             <p:sp>
               <p:nvSpPr>
                 <p:cNvPr id="28" name="矩形 27"/>
@@ -22509,15 +22315,7 @@
                   </a:r>
                   <a:r>
                     <a:rPr lang="en-US" altLang="zh-CN" sz="2400" smtClean="0"/>
-                    <a:t> </a:t>
-                  </a:r>
-                  <a:r>
-                    <a:rPr lang="en-US" altLang="zh-CN" sz="2400" smtClean="0"/>
-                    <a:t>] </a:t>
-                  </a:r>
-                  <a:r>
-                    <a:rPr lang="en-US" altLang="zh-CN" sz="2400" smtClean="0"/>
-                    <a:t>[ </a:t>
+                    <a:t> ] [ </a:t>
                   </a:r>
                   <a14:m>
                     <m:oMath xmlns:m="http://schemas.openxmlformats.org/officeDocument/2006/math">
@@ -22531,11 +22329,7 @@
                   </a14:m>
                   <a:r>
                     <a:rPr lang="en-US" altLang="zh-CN" sz="2400" smtClean="0"/>
-                    <a:t> </a:t>
-                  </a:r>
-                  <a:r>
-                    <a:rPr lang="en-US" altLang="zh-CN" sz="2400" smtClean="0"/>
-                    <a:t>] </a:t>
+                    <a:t> ] </a:t>
                   </a:r>
                 </a:p>
                 <a:p>
@@ -22562,7 +22356,7 @@
                         <a:rPr lang="en-US" altLang="zh-CN" sz="2400" i="1" baseline="-25000" smtClean="0">
                           <a:latin typeface="Cambria Math" panose="02040503050406030204" pitchFamily="18" charset="0"/>
                         </a:rPr>
-                        <m:t>-</m:t>
+                        <m:t>−</m:t>
                       </m:r>
                       <m:r>
                         <a:rPr lang="en-US" altLang="zh-CN" sz="2400" i="1" baseline="-25000">
@@ -22576,7 +22370,6 @@
                     <a:rPr lang="en-US" altLang="zh-CN" sz="2400" smtClean="0"/>
                     <a:t>] </a:t>
                   </a:r>
-                  <a:endParaRPr lang="en-US" altLang="zh-CN" sz="2400" smtClean="0"/>
                 </a:p>
                 <a:p>
                   <a:pPr algn="ctr" defTabSz="914400"/>
@@ -22623,7 +22416,7 @@
               </p:txBody>
             </p:sp>
           </mc:Choice>
-          <mc:Fallback>
+          <mc:Fallback xmlns="">
             <p:sp>
               <p:nvSpPr>
                 <p:cNvPr id="28" name="矩形 27"/>
@@ -22953,8 +22746,8 @@
             <a:chExt cx="4396560" cy="1922181"/>
           </a:xfrm>
         </p:grpSpPr>
-        <mc:AlternateContent xmlns:mc="http://schemas.openxmlformats.org/markup-compatibility/2006">
-          <mc:Choice xmlns:a14="http://schemas.microsoft.com/office/drawing/2010/main" Requires="a14">
+        <mc:AlternateContent xmlns:mc="http://schemas.openxmlformats.org/markup-compatibility/2006" xmlns:a14="http://schemas.microsoft.com/office/drawing/2010/main">
+          <mc:Choice Requires="a14">
             <p:sp>
               <p:nvSpPr>
                 <p:cNvPr id="36" name="矩形 35"/>
@@ -23018,15 +22811,7 @@
                   </a:r>
                   <a:r>
                     <a:rPr lang="en-US" altLang="zh-CN" sz="2400" smtClean="0"/>
-                    <a:t> </a:t>
-                  </a:r>
-                  <a:r>
-                    <a:rPr lang="en-US" altLang="zh-CN" sz="2400" smtClean="0"/>
-                    <a:t>] </a:t>
-                  </a:r>
-                  <a:r>
-                    <a:rPr lang="en-US" altLang="zh-CN" sz="2400" smtClean="0"/>
-                    <a:t>[ </a:t>
+                    <a:t> ] [ </a:t>
                   </a:r>
                   <a14:m>
                     <m:oMath xmlns:m="http://schemas.openxmlformats.org/officeDocument/2006/math">
@@ -23040,11 +22825,7 @@
                   </a14:m>
                   <a:r>
                     <a:rPr lang="en-US" altLang="zh-CN" sz="2400" smtClean="0"/>
-                    <a:t> </a:t>
-                  </a:r>
-                  <a:r>
-                    <a:rPr lang="en-US" altLang="zh-CN" sz="2400" smtClean="0"/>
-                    <a:t>] [</a:t>
+                    <a:t> ] [</a:t>
                   </a:r>
                   <a14:m>
                     <m:oMath xmlns:m="http://schemas.openxmlformats.org/officeDocument/2006/math">
@@ -23064,7 +22845,7 @@
                         <a:rPr lang="en-US" altLang="zh-CN" sz="2400" i="1" baseline="-25000" smtClean="0">
                           <a:latin typeface="Cambria Math" panose="02040503050406030204" pitchFamily="18" charset="0"/>
                         </a:rPr>
-                        <m:t>-</m:t>
+                        <m:t>−</m:t>
                       </m:r>
                       <m:r>
                         <a:rPr lang="en-US" altLang="zh-CN" sz="2400" i="1" baseline="-25000">
@@ -23107,15 +22888,7 @@
                         <a:srgbClr val="FF0000"/>
                       </a:solidFill>
                     </a:rPr>
-                    <a:t>, </a:t>
-                  </a:r>
-                  <a:r>
-                    <a:rPr lang="en-US" altLang="zh-CN" sz="2800" b="1">
-                      <a:solidFill>
-                        <a:srgbClr val="FF0000"/>
-                      </a:solidFill>
-                    </a:rPr>
-                    <a:t>S</a:t>
+                    <a:t>, S</a:t>
                   </a:r>
                   <a:r>
                     <a:rPr lang="en-US" altLang="zh-CN" sz="2800" b="1" baseline="-25000">
@@ -23149,7 +22922,6 @@
                     <a:rPr lang="en-US" altLang="zh-CN" sz="2400" smtClean="0"/>
                     <a:t>]</a:t>
                   </a:r>
-                  <a:endParaRPr lang="en-US" altLang="zh-CN" sz="2400" smtClean="0"/>
                 </a:p>
                 <a:p>
                   <a:pPr algn="ctr" defTabSz="914400"/>
@@ -23196,7 +22968,7 @@
               </p:txBody>
             </p:sp>
           </mc:Choice>
-          <mc:Fallback>
+          <mc:Fallback xmlns="">
             <p:sp>
               <p:nvSpPr>
                 <p:cNvPr id="36" name="矩形 35"/>
@@ -28564,8 +28336,8 @@
           </a:p>
         </p:txBody>
       </p:sp>
-      <mc:AlternateContent xmlns:mc="http://schemas.openxmlformats.org/markup-compatibility/2006">
-        <mc:Choice xmlns:a14="http://schemas.microsoft.com/office/drawing/2010/main" Requires="a14">
+      <mc:AlternateContent xmlns:mc="http://schemas.openxmlformats.org/markup-compatibility/2006" xmlns:a14="http://schemas.microsoft.com/office/drawing/2010/main">
+        <mc:Choice Requires="a14">
           <p:sp>
             <p:nvSpPr>
               <p:cNvPr id="12" name="文本框 11"/>
@@ -29113,7 +28885,7 @@
             </p:txBody>
           </p:sp>
         </mc:Choice>
-        <mc:Fallback>
+        <mc:Fallback xmlns="">
           <p:sp>
             <p:nvSpPr>
               <p:cNvPr id="12" name="文本框 11"/>
@@ -29469,8 +29241,8 @@
             <a:chExt cx="4283613" cy="1733475"/>
           </a:xfrm>
         </p:grpSpPr>
-        <mc:AlternateContent xmlns:mc="http://schemas.openxmlformats.org/markup-compatibility/2006">
-          <mc:Choice xmlns:a14="http://schemas.microsoft.com/office/drawing/2010/main" Requires="a14">
+        <mc:AlternateContent xmlns:mc="http://schemas.openxmlformats.org/markup-compatibility/2006" xmlns:a14="http://schemas.microsoft.com/office/drawing/2010/main">
+          <mc:Choice Requires="a14">
             <p:sp>
               <p:nvSpPr>
                 <p:cNvPr id="7" name="文本框 6"/>
@@ -29493,6 +29265,7 @@
                 </a:bodyPr>
                 <a:lstStyle/>
                 <a:p>
+                  <a:pPr/>
                   <a14:m>
                     <m:oMathPara xmlns:m="http://schemas.openxmlformats.org/officeDocument/2006/math">
                       <m:oMathParaPr>
@@ -29531,7 +29304,7 @@
               </p:txBody>
             </p:sp>
           </mc:Choice>
-          <mc:Fallback>
+          <mc:Fallback xmlns="">
             <p:sp>
               <p:nvSpPr>
                 <p:cNvPr id="7" name="文本框 6"/>
@@ -29570,8 +29343,8 @@
             </p:sp>
           </mc:Fallback>
         </mc:AlternateContent>
-        <mc:AlternateContent xmlns:mc="http://schemas.openxmlformats.org/markup-compatibility/2006">
-          <mc:Choice xmlns:a14="http://schemas.microsoft.com/office/drawing/2010/main" Requires="a14">
+        <mc:AlternateContent xmlns:mc="http://schemas.openxmlformats.org/markup-compatibility/2006" xmlns:a14="http://schemas.microsoft.com/office/drawing/2010/main">
+          <mc:Choice Requires="a14">
             <p:sp>
               <p:nvSpPr>
                 <p:cNvPr id="8" name="文本框 7"/>
@@ -29814,7 +29587,7 @@
               </p:txBody>
             </p:sp>
           </mc:Choice>
-          <mc:Fallback>
+          <mc:Fallback xmlns="">
             <p:sp>
               <p:nvSpPr>
                 <p:cNvPr id="8" name="文本框 7"/>
@@ -29868,8 +29641,8 @@
             <a:chExt cx="3982317" cy="1700943"/>
           </a:xfrm>
         </p:grpSpPr>
-        <mc:AlternateContent xmlns:mc="http://schemas.openxmlformats.org/markup-compatibility/2006">
-          <mc:Choice xmlns:a14="http://schemas.microsoft.com/office/drawing/2010/main" Requires="a14">
+        <mc:AlternateContent xmlns:mc="http://schemas.openxmlformats.org/markup-compatibility/2006" xmlns:a14="http://schemas.microsoft.com/office/drawing/2010/main">
+          <mc:Choice Requires="a14">
             <p:sp>
               <p:nvSpPr>
                 <p:cNvPr id="9" name="文本框 8"/>
@@ -29892,6 +29665,7 @@
                 </a:bodyPr>
                 <a:lstStyle/>
                 <a:p>
+                  <a:pPr/>
                   <a14:m>
                     <m:oMathPara xmlns:m="http://schemas.openxmlformats.org/officeDocument/2006/math">
                       <m:oMathParaPr>
@@ -29912,7 +29686,7 @@
               </p:txBody>
             </p:sp>
           </mc:Choice>
-          <mc:Fallback>
+          <mc:Fallback xmlns="">
             <p:sp>
               <p:nvSpPr>
                 <p:cNvPr id="9" name="文本框 8"/>
@@ -29951,8 +29725,8 @@
             </p:sp>
           </mc:Fallback>
         </mc:AlternateContent>
-        <mc:AlternateContent xmlns:mc="http://schemas.openxmlformats.org/markup-compatibility/2006">
-          <mc:Choice xmlns:a14="http://schemas.microsoft.com/office/drawing/2010/main" Requires="a14">
+        <mc:AlternateContent xmlns:mc="http://schemas.openxmlformats.org/markup-compatibility/2006" xmlns:a14="http://schemas.microsoft.com/office/drawing/2010/main">
+          <mc:Choice Requires="a14">
             <p:sp>
               <p:nvSpPr>
                 <p:cNvPr id="10" name="文本框 9"/>
@@ -30128,7 +29902,7 @@
               </p:txBody>
             </p:sp>
           </mc:Choice>
-          <mc:Fallback>
+          <mc:Fallback xmlns="">
             <p:sp>
               <p:nvSpPr>
                 <p:cNvPr id="10" name="文本框 9"/>
@@ -30182,8 +29956,8 @@
             <a:chExt cx="4267248" cy="1800493"/>
           </a:xfrm>
         </p:grpSpPr>
-        <mc:AlternateContent xmlns:mc="http://schemas.openxmlformats.org/markup-compatibility/2006">
-          <mc:Choice xmlns:a14="http://schemas.microsoft.com/office/drawing/2010/main" Requires="a14">
+        <mc:AlternateContent xmlns:mc="http://schemas.openxmlformats.org/markup-compatibility/2006" xmlns:a14="http://schemas.microsoft.com/office/drawing/2010/main">
+          <mc:Choice Requires="a14">
             <p:sp>
               <p:nvSpPr>
                 <p:cNvPr id="11" name="文本框 10"/>
@@ -30206,6 +29980,7 @@
                 </a:bodyPr>
                 <a:lstStyle/>
                 <a:p>
+                  <a:pPr/>
                   <a14:m>
                     <m:oMathPara xmlns:m="http://schemas.openxmlformats.org/officeDocument/2006/math">
                       <m:oMathParaPr>
@@ -30298,7 +30073,7 @@
               </p:txBody>
             </p:sp>
           </mc:Choice>
-          <mc:Fallback>
+          <mc:Fallback xmlns="">
             <p:sp>
               <p:nvSpPr>
                 <p:cNvPr id="11" name="文本框 10"/>
@@ -30337,8 +30112,8 @@
             </p:sp>
           </mc:Fallback>
         </mc:AlternateContent>
-        <mc:AlternateContent xmlns:mc="http://schemas.openxmlformats.org/markup-compatibility/2006">
-          <mc:Choice xmlns:a14="http://schemas.microsoft.com/office/drawing/2010/main" Requires="a14">
+        <mc:AlternateContent xmlns:mc="http://schemas.openxmlformats.org/markup-compatibility/2006" xmlns:a14="http://schemas.microsoft.com/office/drawing/2010/main">
+          <mc:Choice Requires="a14">
             <p:sp>
               <p:nvSpPr>
                 <p:cNvPr id="13" name="文本框 12"/>
@@ -30580,7 +30355,7 @@
               </p:txBody>
             </p:sp>
           </mc:Choice>
-          <mc:Fallback>
+          <mc:Fallback xmlns="">
             <p:sp>
               <p:nvSpPr>
                 <p:cNvPr id="13" name="文本框 12"/>
@@ -30634,8 +30409,8 @@
             <a:chExt cx="3982317" cy="1288265"/>
           </a:xfrm>
         </p:grpSpPr>
-        <mc:AlternateContent xmlns:mc="http://schemas.openxmlformats.org/markup-compatibility/2006">
-          <mc:Choice xmlns:a14="http://schemas.microsoft.com/office/drawing/2010/main" Requires="a14">
+        <mc:AlternateContent xmlns:mc="http://schemas.openxmlformats.org/markup-compatibility/2006" xmlns:a14="http://schemas.microsoft.com/office/drawing/2010/main">
+          <mc:Choice Requires="a14">
             <p:sp>
               <p:nvSpPr>
                 <p:cNvPr id="18" name="文本框 17"/>
@@ -30658,6 +30433,7 @@
                 </a:bodyPr>
                 <a:lstStyle/>
                 <a:p>
+                  <a:pPr/>
                   <a14:m>
                     <m:oMathPara xmlns:m="http://schemas.openxmlformats.org/officeDocument/2006/math">
                       <m:oMathParaPr>
@@ -30684,7 +30460,7 @@
               </p:txBody>
             </p:sp>
           </mc:Choice>
-          <mc:Fallback>
+          <mc:Fallback xmlns="">
             <p:sp>
               <p:nvSpPr>
                 <p:cNvPr id="18" name="文本框 17"/>
@@ -30846,15 +30622,7 @@
                   <a:schemeClr val="tx1"/>
                 </a:solidFill>
               </a:rPr>
-              <a:t>地狱</a:t>
-            </a:r>
-            <a:r>
-              <a:rPr lang="zh-CN" altLang="en-US" sz="3200">
-                <a:solidFill>
-                  <a:schemeClr val="tx1"/>
-                </a:solidFill>
-              </a:rPr>
-              <a:t>之</a:t>
+              <a:t>地狱之</a:t>
             </a:r>
             <a:r>
               <a:rPr lang="zh-CN" altLang="en-US" sz="3200" smtClean="0">
@@ -31035,8 +30803,8 @@
           </a:p>
         </p:txBody>
       </p:sp>
-      <mc:AlternateContent xmlns:mc="http://schemas.openxmlformats.org/markup-compatibility/2006">
-        <mc:Choice xmlns:a14="http://schemas.microsoft.com/office/drawing/2010/main" Requires="a14">
+      <mc:AlternateContent xmlns:mc="http://schemas.openxmlformats.org/markup-compatibility/2006" xmlns:a14="http://schemas.microsoft.com/office/drawing/2010/main">
+        <mc:Choice Requires="a14">
           <p:sp>
             <p:nvSpPr>
               <p:cNvPr id="8" name="矩形 7"/>
@@ -31111,7 +30879,7 @@
             </p:txBody>
           </p:sp>
         </mc:Choice>
-        <mc:Fallback>
+        <mc:Fallback xmlns="">
           <p:sp>
             <p:nvSpPr>
               <p:cNvPr id="8" name="矩形 7"/>
@@ -31160,8 +30928,8 @@
           </p:sp>
         </mc:Fallback>
       </mc:AlternateContent>
-      <mc:AlternateContent xmlns:mc="http://schemas.openxmlformats.org/markup-compatibility/2006">
-        <mc:Choice xmlns:a14="http://schemas.microsoft.com/office/drawing/2010/main" Requires="a14">
+      <mc:AlternateContent xmlns:mc="http://schemas.openxmlformats.org/markup-compatibility/2006" xmlns:a14="http://schemas.microsoft.com/office/drawing/2010/main">
+        <mc:Choice Requires="a14">
           <p:sp>
             <p:nvSpPr>
               <p:cNvPr id="9" name="矩形 8"/>
@@ -31256,11 +31024,7 @@
                 </a:r>
                 <a:r>
                   <a:rPr lang="en-US" altLang="zh-CN" sz="2400"/>
-                  <a:t> </a:t>
-                </a:r>
-                <a:r>
-                  <a:rPr lang="en-US" altLang="zh-CN" sz="2400"/>
-                  <a:t>]</a:t>
+                  <a:t> ]</a:t>
                 </a:r>
                 <a:endParaRPr lang="zh-CN" altLang="en-US" sz="2400"/>
               </a:p>
@@ -31307,7 +31071,7 @@
             </p:txBody>
           </p:sp>
         </mc:Choice>
-        <mc:Fallback>
+        <mc:Fallback xmlns="">
           <p:sp>
             <p:nvSpPr>
               <p:cNvPr id="9" name="矩形 8"/>
@@ -32225,8 +31989,8 @@
             <a:chExt cx="2508729" cy="1362755"/>
           </a:xfrm>
         </p:grpSpPr>
-        <mc:AlternateContent xmlns:mc="http://schemas.openxmlformats.org/markup-compatibility/2006">
-          <mc:Choice xmlns:a14="http://schemas.microsoft.com/office/drawing/2010/main" Requires="a14">
+        <mc:AlternateContent xmlns:mc="http://schemas.openxmlformats.org/markup-compatibility/2006" xmlns:a14="http://schemas.microsoft.com/office/drawing/2010/main">
+          <mc:Choice Requires="a14">
             <p:sp>
               <p:nvSpPr>
                 <p:cNvPr id="25" name="矩形 24"/>
@@ -32287,11 +32051,7 @@
                   </a:r>
                   <a:r>
                     <a:rPr lang="en-US" altLang="zh-CN" sz="2400" smtClean="0"/>
-                    <a:t> </a:t>
-                  </a:r>
-                  <a:r>
-                    <a:rPr lang="en-US" altLang="zh-CN" sz="2400" smtClean="0"/>
-                    <a:t>]</a:t>
+                    <a:t> ]</a:t>
                   </a:r>
                 </a:p>
                 <a:p>
@@ -32305,7 +32065,7 @@
               </p:txBody>
             </p:sp>
           </mc:Choice>
-          <mc:Fallback>
+          <mc:Fallback xmlns="">
             <p:sp>
               <p:nvSpPr>
                 <p:cNvPr id="25" name="矩形 24"/>
@@ -33021,8 +32781,8 @@
           </a:prstGeom>
         </p:spPr>
       </p:pic>
-      <mc:AlternateContent xmlns:mc="http://schemas.openxmlformats.org/markup-compatibility/2006">
-        <mc:Choice xmlns:a14="http://schemas.microsoft.com/office/drawing/2010/main" Requires="a14">
+      <mc:AlternateContent xmlns:mc="http://schemas.openxmlformats.org/markup-compatibility/2006" xmlns:a14="http://schemas.microsoft.com/office/drawing/2010/main">
+        <mc:Choice Requires="a14">
           <p:sp>
             <p:nvSpPr>
               <p:cNvPr id="8" name="矩形 7"/>
@@ -33117,11 +32877,7 @@
                 </a:r>
                 <a:r>
                   <a:rPr lang="en-US" altLang="zh-CN" sz="2400"/>
-                  <a:t> </a:t>
-                </a:r>
-                <a:r>
-                  <a:rPr lang="en-US" altLang="zh-CN" sz="2400"/>
-                  <a:t>]</a:t>
+                  <a:t> ]</a:t>
                 </a:r>
                 <a:endParaRPr lang="zh-CN" altLang="en-US" sz="2400"/>
               </a:p>
@@ -33168,7 +32924,7 @@
             </p:txBody>
           </p:sp>
         </mc:Choice>
-        <mc:Fallback>
+        <mc:Fallback xmlns="">
           <p:sp>
             <p:nvSpPr>
               <p:cNvPr id="8" name="矩形 7"/>
@@ -33217,8 +32973,8 @@
           </p:sp>
         </mc:Fallback>
       </mc:AlternateContent>
-      <mc:AlternateContent xmlns:mc="http://schemas.openxmlformats.org/markup-compatibility/2006">
-        <mc:Choice xmlns:a14="http://schemas.microsoft.com/office/drawing/2010/main" Requires="a14">
+      <mc:AlternateContent xmlns:mc="http://schemas.openxmlformats.org/markup-compatibility/2006" xmlns:a14="http://schemas.microsoft.com/office/drawing/2010/main">
+        <mc:Choice Requires="a14">
           <p:sp>
             <p:nvSpPr>
               <p:cNvPr id="9" name="矩形 8"/>
@@ -33309,7 +33065,7 @@
                       <a:rPr lang="en-US" altLang="zh-CN" sz="2400" i="1" baseline="-25000">
                         <a:latin typeface="Cambria Math" panose="02040503050406030204" pitchFamily="18" charset="0"/>
                       </a:rPr>
-                      <m:t>-</m:t>
+                      <m:t>−</m:t>
                     </m:r>
                     <m:r>
                       <a:rPr lang="en-US" altLang="zh-CN" sz="2400" i="1" baseline="-25000" smtClean="0">
@@ -33362,7 +33118,7 @@
             </p:txBody>
           </p:sp>
         </mc:Choice>
-        <mc:Fallback>
+        <mc:Fallback xmlns="">
           <p:sp>
             <p:nvSpPr>
               <p:cNvPr id="9" name="矩形 8"/>
@@ -34201,8 +33957,8 @@
             <a:chExt cx="2960009" cy="1420413"/>
           </a:xfrm>
         </p:grpSpPr>
-        <mc:AlternateContent xmlns:mc="http://schemas.openxmlformats.org/markup-compatibility/2006">
-          <mc:Choice xmlns:a14="http://schemas.microsoft.com/office/drawing/2010/main" Requires="a14">
+        <mc:AlternateContent xmlns:mc="http://schemas.openxmlformats.org/markup-compatibility/2006" xmlns:a14="http://schemas.microsoft.com/office/drawing/2010/main">
+          <mc:Choice Requires="a14">
             <p:sp>
               <p:nvSpPr>
                 <p:cNvPr id="22" name="矩形 21"/>
@@ -34263,11 +34019,7 @@
                   </a:r>
                   <a:r>
                     <a:rPr lang="en-US" altLang="zh-CN" sz="2400" smtClean="0"/>
-                    <a:t> </a:t>
-                  </a:r>
-                  <a:r>
-                    <a:rPr lang="en-US" altLang="zh-CN" sz="2400" smtClean="0"/>
-                    <a:t>]</a:t>
+                    <a:t> ]</a:t>
                   </a:r>
                 </a:p>
                 <a:p>
@@ -34305,7 +34057,7 @@
               </p:txBody>
             </p:sp>
           </mc:Choice>
-          <mc:Fallback>
+          <mc:Fallback xmlns="">
             <p:sp>
               <p:nvSpPr>
                 <p:cNvPr id="22" name="矩形 21"/>
